--- a/doc/develop/自动交OJ插件模型.pptx
+++ b/doc/develop/自动交OJ插件模型.pptx
@@ -5,9 +5,10 @@
     <p:sldMasterId id="2147483648" r:id="rId1"/>
   </p:sldMasterIdLst>
   <p:sldIdLst>
-    <p:sldId id="256" r:id="rId2"/>
-    <p:sldId id="257" r:id="rId3"/>
-    <p:sldId id="258" r:id="rId4"/>
+    <p:sldId id="256" r:id="rId3"/>
+    <p:sldId id="257" r:id="rId4"/>
+    <p:sldId id="258" r:id="rId5"/>
+    <p:sldId id="259" r:id="rId6"/>
   </p:sldIdLst>
   <p:sldSz cx="12192000" cy="6858000"/>
   <p:notesSz cx="6858000" cy="9144000"/>
@@ -106,11 +107,6 @@
       </a:defRPr>
     </a:lvl9pPr>
   </p:defaultTextStyle>
-  <p:extLst>
-    <p:ext uri="{EFAFB233-063F-42B5-8137-9DF3F51BA10A}">
-      <p15:sldGuideLst xmlns:p15="http://schemas.microsoft.com/office/powerpoint/2012/main"/>
-    </p:ext>
-  </p:extLst>
 </p:presentation>
 </file>
 
@@ -159,6 +155,7 @@
               <a:rPr lang="zh-CN" altLang="en-US"/>
               <a:t>单击此处编辑母版标题样式</a:t>
             </a:r>
+            <a:endParaRPr lang="zh-CN" altLang="en-US"/>
           </a:p>
         </p:txBody>
       </p:sp>
@@ -223,6 +220,7 @@
               <a:rPr lang="zh-CN" altLang="en-US"/>
               <a:t>单击此处编辑母版副标题样式</a:t>
             </a:r>
+            <a:endParaRPr lang="zh-CN" altLang="en-US"/>
           </a:p>
         </p:txBody>
       </p:sp>
@@ -243,7 +241,6 @@
           <a:p>
             <a:fld id="{D997B5FA-0921-464F-AAE1-844C04324D75}" type="datetimeFigureOut">
               <a:rPr lang="zh-CN" altLang="en-US" smtClean="0"/>
-              <a:t>2022/1/29</a:t>
             </a:fld>
             <a:endParaRPr lang="zh-CN" altLang="en-US"/>
           </a:p>
@@ -285,7 +282,6 @@
           <a:p>
             <a:fld id="{565CE74E-AB26-4998-AD42-012C4C1AD076}" type="slidenum">
               <a:rPr lang="zh-CN" altLang="en-US" smtClean="0"/>
-              <a:t>‹#›</a:t>
             </a:fld>
             <a:endParaRPr lang="zh-CN" altLang="en-US"/>
           </a:p>
@@ -335,6 +331,7 @@
               <a:rPr lang="zh-CN" altLang="en-US"/>
               <a:t>单击此处编辑母版标题样式</a:t>
             </a:r>
+            <a:endParaRPr lang="zh-CN" altLang="en-US"/>
           </a:p>
         </p:txBody>
       </p:sp>
@@ -358,6 +355,7 @@
               <a:rPr lang="zh-CN" altLang="en-US"/>
               <a:t>单击此处编辑母版文本样式</a:t>
             </a:r>
+            <a:endParaRPr lang="zh-CN" altLang="en-US"/>
           </a:p>
           <a:p>
             <a:pPr lvl="1"/>
@@ -365,6 +363,7 @@
               <a:rPr lang="zh-CN" altLang="en-US"/>
               <a:t>第二级</a:t>
             </a:r>
+            <a:endParaRPr lang="zh-CN" altLang="en-US"/>
           </a:p>
           <a:p>
             <a:pPr lvl="2"/>
@@ -372,6 +371,7 @@
               <a:rPr lang="zh-CN" altLang="en-US"/>
               <a:t>第三级</a:t>
             </a:r>
+            <a:endParaRPr lang="zh-CN" altLang="en-US"/>
           </a:p>
           <a:p>
             <a:pPr lvl="3"/>
@@ -379,6 +379,7 @@
               <a:rPr lang="zh-CN" altLang="en-US"/>
               <a:t>第四级</a:t>
             </a:r>
+            <a:endParaRPr lang="zh-CN" altLang="en-US"/>
           </a:p>
           <a:p>
             <a:pPr lvl="4"/>
@@ -386,6 +387,7 @@
               <a:rPr lang="zh-CN" altLang="en-US"/>
               <a:t>第五级</a:t>
             </a:r>
+            <a:endParaRPr lang="zh-CN" altLang="en-US"/>
           </a:p>
         </p:txBody>
       </p:sp>
@@ -406,7 +408,6 @@
           <a:p>
             <a:fld id="{D997B5FA-0921-464F-AAE1-844C04324D75}" type="datetimeFigureOut">
               <a:rPr lang="zh-CN" altLang="en-US" smtClean="0"/>
-              <a:t>2022/1/29</a:t>
             </a:fld>
             <a:endParaRPr lang="zh-CN" altLang="en-US"/>
           </a:p>
@@ -448,7 +449,6 @@
           <a:p>
             <a:fld id="{565CE74E-AB26-4998-AD42-012C4C1AD076}" type="slidenum">
               <a:rPr lang="zh-CN" altLang="en-US" smtClean="0"/>
-              <a:t>‹#›</a:t>
             </a:fld>
             <a:endParaRPr lang="zh-CN" altLang="en-US"/>
           </a:p>
@@ -503,6 +503,7 @@
               <a:rPr lang="zh-CN" altLang="en-US"/>
               <a:t>单击此处编辑母版标题样式</a:t>
             </a:r>
+            <a:endParaRPr lang="zh-CN" altLang="en-US"/>
           </a:p>
         </p:txBody>
       </p:sp>
@@ -531,6 +532,7 @@
               <a:rPr lang="zh-CN" altLang="en-US"/>
               <a:t>单击此处编辑母版文本样式</a:t>
             </a:r>
+            <a:endParaRPr lang="zh-CN" altLang="en-US"/>
           </a:p>
           <a:p>
             <a:pPr lvl="1"/>
@@ -538,6 +540,7 @@
               <a:rPr lang="zh-CN" altLang="en-US"/>
               <a:t>第二级</a:t>
             </a:r>
+            <a:endParaRPr lang="zh-CN" altLang="en-US"/>
           </a:p>
           <a:p>
             <a:pPr lvl="2"/>
@@ -545,6 +548,7 @@
               <a:rPr lang="zh-CN" altLang="en-US"/>
               <a:t>第三级</a:t>
             </a:r>
+            <a:endParaRPr lang="zh-CN" altLang="en-US"/>
           </a:p>
           <a:p>
             <a:pPr lvl="3"/>
@@ -552,6 +556,7 @@
               <a:rPr lang="zh-CN" altLang="en-US"/>
               <a:t>第四级</a:t>
             </a:r>
+            <a:endParaRPr lang="zh-CN" altLang="en-US"/>
           </a:p>
           <a:p>
             <a:pPr lvl="4"/>
@@ -559,6 +564,7 @@
               <a:rPr lang="zh-CN" altLang="en-US"/>
               <a:t>第五级</a:t>
             </a:r>
+            <a:endParaRPr lang="zh-CN" altLang="en-US"/>
           </a:p>
         </p:txBody>
       </p:sp>
@@ -579,7 +585,6 @@
           <a:p>
             <a:fld id="{D997B5FA-0921-464F-AAE1-844C04324D75}" type="datetimeFigureOut">
               <a:rPr lang="zh-CN" altLang="en-US" smtClean="0"/>
-              <a:t>2022/1/29</a:t>
             </a:fld>
             <a:endParaRPr lang="zh-CN" altLang="en-US"/>
           </a:p>
@@ -621,7 +626,6 @@
           <a:p>
             <a:fld id="{565CE74E-AB26-4998-AD42-012C4C1AD076}" type="slidenum">
               <a:rPr lang="zh-CN" altLang="en-US" smtClean="0"/>
-              <a:t>‹#›</a:t>
             </a:fld>
             <a:endParaRPr lang="zh-CN" altLang="en-US"/>
           </a:p>
@@ -671,6 +675,7 @@
               <a:rPr lang="zh-CN" altLang="en-US"/>
               <a:t>单击此处编辑母版标题样式</a:t>
             </a:r>
+            <a:endParaRPr lang="zh-CN" altLang="en-US"/>
           </a:p>
         </p:txBody>
       </p:sp>
@@ -694,6 +699,7 @@
               <a:rPr lang="zh-CN" altLang="en-US"/>
               <a:t>单击此处编辑母版文本样式</a:t>
             </a:r>
+            <a:endParaRPr lang="zh-CN" altLang="en-US"/>
           </a:p>
           <a:p>
             <a:pPr lvl="1"/>
@@ -701,6 +707,7 @@
               <a:rPr lang="zh-CN" altLang="en-US"/>
               <a:t>第二级</a:t>
             </a:r>
+            <a:endParaRPr lang="zh-CN" altLang="en-US"/>
           </a:p>
           <a:p>
             <a:pPr lvl="2"/>
@@ -708,6 +715,7 @@
               <a:rPr lang="zh-CN" altLang="en-US"/>
               <a:t>第三级</a:t>
             </a:r>
+            <a:endParaRPr lang="zh-CN" altLang="en-US"/>
           </a:p>
           <a:p>
             <a:pPr lvl="3"/>
@@ -715,6 +723,7 @@
               <a:rPr lang="zh-CN" altLang="en-US"/>
               <a:t>第四级</a:t>
             </a:r>
+            <a:endParaRPr lang="zh-CN" altLang="en-US"/>
           </a:p>
           <a:p>
             <a:pPr lvl="4"/>
@@ -722,6 +731,7 @@
               <a:rPr lang="zh-CN" altLang="en-US"/>
               <a:t>第五级</a:t>
             </a:r>
+            <a:endParaRPr lang="zh-CN" altLang="en-US"/>
           </a:p>
         </p:txBody>
       </p:sp>
@@ -742,7 +752,6 @@
           <a:p>
             <a:fld id="{D997B5FA-0921-464F-AAE1-844C04324D75}" type="datetimeFigureOut">
               <a:rPr lang="zh-CN" altLang="en-US" smtClean="0"/>
-              <a:t>2022/1/29</a:t>
             </a:fld>
             <a:endParaRPr lang="zh-CN" altLang="en-US"/>
           </a:p>
@@ -784,7 +793,6 @@
           <a:p>
             <a:fld id="{565CE74E-AB26-4998-AD42-012C4C1AD076}" type="slidenum">
               <a:rPr lang="zh-CN" altLang="en-US" smtClean="0"/>
-              <a:t>‹#›</a:t>
             </a:fld>
             <a:endParaRPr lang="zh-CN" altLang="en-US"/>
           </a:p>
@@ -843,6 +851,7 @@
               <a:rPr lang="zh-CN" altLang="en-US"/>
               <a:t>单击此处编辑母版标题样式</a:t>
             </a:r>
+            <a:endParaRPr lang="zh-CN" altLang="en-US"/>
           </a:p>
         </p:txBody>
       </p:sp>
@@ -962,6 +971,7 @@
               <a:rPr lang="zh-CN" altLang="en-US"/>
               <a:t>单击此处编辑母版文本样式</a:t>
             </a:r>
+            <a:endParaRPr lang="zh-CN" altLang="en-US"/>
           </a:p>
         </p:txBody>
       </p:sp>
@@ -982,7 +992,6 @@
           <a:p>
             <a:fld id="{D997B5FA-0921-464F-AAE1-844C04324D75}" type="datetimeFigureOut">
               <a:rPr lang="zh-CN" altLang="en-US" smtClean="0"/>
-              <a:t>2022/1/29</a:t>
             </a:fld>
             <a:endParaRPr lang="zh-CN" altLang="en-US"/>
           </a:p>
@@ -1024,7 +1033,6 @@
           <a:p>
             <a:fld id="{565CE74E-AB26-4998-AD42-012C4C1AD076}" type="slidenum">
               <a:rPr lang="zh-CN" altLang="en-US" smtClean="0"/>
-              <a:t>‹#›</a:t>
             </a:fld>
             <a:endParaRPr lang="zh-CN" altLang="en-US"/>
           </a:p>
@@ -1074,6 +1082,7 @@
               <a:rPr lang="zh-CN" altLang="en-US"/>
               <a:t>单击此处编辑母版标题样式</a:t>
             </a:r>
+            <a:endParaRPr lang="zh-CN" altLang="en-US"/>
           </a:p>
         </p:txBody>
       </p:sp>
@@ -1102,6 +1111,7 @@
               <a:rPr lang="zh-CN" altLang="en-US"/>
               <a:t>单击此处编辑母版文本样式</a:t>
             </a:r>
+            <a:endParaRPr lang="zh-CN" altLang="en-US"/>
           </a:p>
           <a:p>
             <a:pPr lvl="1"/>
@@ -1109,6 +1119,7 @@
               <a:rPr lang="zh-CN" altLang="en-US"/>
               <a:t>第二级</a:t>
             </a:r>
+            <a:endParaRPr lang="zh-CN" altLang="en-US"/>
           </a:p>
           <a:p>
             <a:pPr lvl="2"/>
@@ -1116,6 +1127,7 @@
               <a:rPr lang="zh-CN" altLang="en-US"/>
               <a:t>第三级</a:t>
             </a:r>
+            <a:endParaRPr lang="zh-CN" altLang="en-US"/>
           </a:p>
           <a:p>
             <a:pPr lvl="3"/>
@@ -1123,6 +1135,7 @@
               <a:rPr lang="zh-CN" altLang="en-US"/>
               <a:t>第四级</a:t>
             </a:r>
+            <a:endParaRPr lang="zh-CN" altLang="en-US"/>
           </a:p>
           <a:p>
             <a:pPr lvl="4"/>
@@ -1130,6 +1143,7 @@
               <a:rPr lang="zh-CN" altLang="en-US"/>
               <a:t>第五级</a:t>
             </a:r>
+            <a:endParaRPr lang="zh-CN" altLang="en-US"/>
           </a:p>
         </p:txBody>
       </p:sp>
@@ -1158,6 +1172,7 @@
               <a:rPr lang="zh-CN" altLang="en-US"/>
               <a:t>单击此处编辑母版文本样式</a:t>
             </a:r>
+            <a:endParaRPr lang="zh-CN" altLang="en-US"/>
           </a:p>
           <a:p>
             <a:pPr lvl="1"/>
@@ -1165,6 +1180,7 @@
               <a:rPr lang="zh-CN" altLang="en-US"/>
               <a:t>第二级</a:t>
             </a:r>
+            <a:endParaRPr lang="zh-CN" altLang="en-US"/>
           </a:p>
           <a:p>
             <a:pPr lvl="2"/>
@@ -1172,6 +1188,7 @@
               <a:rPr lang="zh-CN" altLang="en-US"/>
               <a:t>第三级</a:t>
             </a:r>
+            <a:endParaRPr lang="zh-CN" altLang="en-US"/>
           </a:p>
           <a:p>
             <a:pPr lvl="3"/>
@@ -1179,6 +1196,7 @@
               <a:rPr lang="zh-CN" altLang="en-US"/>
               <a:t>第四级</a:t>
             </a:r>
+            <a:endParaRPr lang="zh-CN" altLang="en-US"/>
           </a:p>
           <a:p>
             <a:pPr lvl="4"/>
@@ -1186,6 +1204,7 @@
               <a:rPr lang="zh-CN" altLang="en-US"/>
               <a:t>第五级</a:t>
             </a:r>
+            <a:endParaRPr lang="zh-CN" altLang="en-US"/>
           </a:p>
         </p:txBody>
       </p:sp>
@@ -1206,7 +1225,6 @@
           <a:p>
             <a:fld id="{D997B5FA-0921-464F-AAE1-844C04324D75}" type="datetimeFigureOut">
               <a:rPr lang="zh-CN" altLang="en-US" smtClean="0"/>
-              <a:t>2022/1/29</a:t>
             </a:fld>
             <a:endParaRPr lang="zh-CN" altLang="en-US"/>
           </a:p>
@@ -1248,7 +1266,6 @@
           <a:p>
             <a:fld id="{565CE74E-AB26-4998-AD42-012C4C1AD076}" type="slidenum">
               <a:rPr lang="zh-CN" altLang="en-US" smtClean="0"/>
-              <a:t>‹#›</a:t>
             </a:fld>
             <a:endParaRPr lang="zh-CN" altLang="en-US"/>
           </a:p>
@@ -1303,6 +1320,7 @@
               <a:rPr lang="zh-CN" altLang="en-US"/>
               <a:t>单击此处编辑母版标题样式</a:t>
             </a:r>
+            <a:endParaRPr lang="zh-CN" altLang="en-US"/>
           </a:p>
         </p:txBody>
       </p:sp>
@@ -1368,6 +1386,7 @@
               <a:rPr lang="zh-CN" altLang="en-US"/>
               <a:t>单击此处编辑母版文本样式</a:t>
             </a:r>
+            <a:endParaRPr lang="zh-CN" altLang="en-US"/>
           </a:p>
         </p:txBody>
       </p:sp>
@@ -1396,6 +1415,7 @@
               <a:rPr lang="zh-CN" altLang="en-US"/>
               <a:t>单击此处编辑母版文本样式</a:t>
             </a:r>
+            <a:endParaRPr lang="zh-CN" altLang="en-US"/>
           </a:p>
           <a:p>
             <a:pPr lvl="1"/>
@@ -1403,6 +1423,7 @@
               <a:rPr lang="zh-CN" altLang="en-US"/>
               <a:t>第二级</a:t>
             </a:r>
+            <a:endParaRPr lang="zh-CN" altLang="en-US"/>
           </a:p>
           <a:p>
             <a:pPr lvl="2"/>
@@ -1410,6 +1431,7 @@
               <a:rPr lang="zh-CN" altLang="en-US"/>
               <a:t>第三级</a:t>
             </a:r>
+            <a:endParaRPr lang="zh-CN" altLang="en-US"/>
           </a:p>
           <a:p>
             <a:pPr lvl="3"/>
@@ -1417,6 +1439,7 @@
               <a:rPr lang="zh-CN" altLang="en-US"/>
               <a:t>第四级</a:t>
             </a:r>
+            <a:endParaRPr lang="zh-CN" altLang="en-US"/>
           </a:p>
           <a:p>
             <a:pPr lvl="4"/>
@@ -1424,6 +1447,7 @@
               <a:rPr lang="zh-CN" altLang="en-US"/>
               <a:t>第五级</a:t>
             </a:r>
+            <a:endParaRPr lang="zh-CN" altLang="en-US"/>
           </a:p>
         </p:txBody>
       </p:sp>
@@ -1489,6 +1513,7 @@
               <a:rPr lang="zh-CN" altLang="en-US"/>
               <a:t>单击此处编辑母版文本样式</a:t>
             </a:r>
+            <a:endParaRPr lang="zh-CN" altLang="en-US"/>
           </a:p>
         </p:txBody>
       </p:sp>
@@ -1517,6 +1542,7 @@
               <a:rPr lang="zh-CN" altLang="en-US"/>
               <a:t>单击此处编辑母版文本样式</a:t>
             </a:r>
+            <a:endParaRPr lang="zh-CN" altLang="en-US"/>
           </a:p>
           <a:p>
             <a:pPr lvl="1"/>
@@ -1524,6 +1550,7 @@
               <a:rPr lang="zh-CN" altLang="en-US"/>
               <a:t>第二级</a:t>
             </a:r>
+            <a:endParaRPr lang="zh-CN" altLang="en-US"/>
           </a:p>
           <a:p>
             <a:pPr lvl="2"/>
@@ -1531,6 +1558,7 @@
               <a:rPr lang="zh-CN" altLang="en-US"/>
               <a:t>第三级</a:t>
             </a:r>
+            <a:endParaRPr lang="zh-CN" altLang="en-US"/>
           </a:p>
           <a:p>
             <a:pPr lvl="3"/>
@@ -1538,6 +1566,7 @@
               <a:rPr lang="zh-CN" altLang="en-US"/>
               <a:t>第四级</a:t>
             </a:r>
+            <a:endParaRPr lang="zh-CN" altLang="en-US"/>
           </a:p>
           <a:p>
             <a:pPr lvl="4"/>
@@ -1545,6 +1574,7 @@
               <a:rPr lang="zh-CN" altLang="en-US"/>
               <a:t>第五级</a:t>
             </a:r>
+            <a:endParaRPr lang="zh-CN" altLang="en-US"/>
           </a:p>
         </p:txBody>
       </p:sp>
@@ -1565,7 +1595,6 @@
           <a:p>
             <a:fld id="{D997B5FA-0921-464F-AAE1-844C04324D75}" type="datetimeFigureOut">
               <a:rPr lang="zh-CN" altLang="en-US" smtClean="0"/>
-              <a:t>2022/1/29</a:t>
             </a:fld>
             <a:endParaRPr lang="zh-CN" altLang="en-US"/>
           </a:p>
@@ -1607,7 +1636,6 @@
           <a:p>
             <a:fld id="{565CE74E-AB26-4998-AD42-012C4C1AD076}" type="slidenum">
               <a:rPr lang="zh-CN" altLang="en-US" smtClean="0"/>
-              <a:t>‹#›</a:t>
             </a:fld>
             <a:endParaRPr lang="zh-CN" altLang="en-US"/>
           </a:p>
@@ -1657,6 +1685,7 @@
               <a:rPr lang="zh-CN" altLang="en-US"/>
               <a:t>单击此处编辑母版标题样式</a:t>
             </a:r>
+            <a:endParaRPr lang="zh-CN" altLang="en-US"/>
           </a:p>
         </p:txBody>
       </p:sp>
@@ -1677,7 +1706,6 @@
           <a:p>
             <a:fld id="{D997B5FA-0921-464F-AAE1-844C04324D75}" type="datetimeFigureOut">
               <a:rPr lang="zh-CN" altLang="en-US" smtClean="0"/>
-              <a:t>2022/1/29</a:t>
             </a:fld>
             <a:endParaRPr lang="zh-CN" altLang="en-US"/>
           </a:p>
@@ -1719,7 +1747,6 @@
           <a:p>
             <a:fld id="{565CE74E-AB26-4998-AD42-012C4C1AD076}" type="slidenum">
               <a:rPr lang="zh-CN" altLang="en-US" smtClean="0"/>
-              <a:t>‹#›</a:t>
             </a:fld>
             <a:endParaRPr lang="zh-CN" altLang="en-US"/>
           </a:p>
@@ -1767,7 +1794,6 @@
           <a:p>
             <a:fld id="{D997B5FA-0921-464F-AAE1-844C04324D75}" type="datetimeFigureOut">
               <a:rPr lang="zh-CN" altLang="en-US" smtClean="0"/>
-              <a:t>2022/1/29</a:t>
             </a:fld>
             <a:endParaRPr lang="zh-CN" altLang="en-US"/>
           </a:p>
@@ -1809,7 +1835,6 @@
           <a:p>
             <a:fld id="{565CE74E-AB26-4998-AD42-012C4C1AD076}" type="slidenum">
               <a:rPr lang="zh-CN" altLang="en-US" smtClean="0"/>
-              <a:t>‹#›</a:t>
             </a:fld>
             <a:endParaRPr lang="zh-CN" altLang="en-US"/>
           </a:p>
@@ -1868,6 +1893,7 @@
               <a:rPr lang="zh-CN" altLang="en-US"/>
               <a:t>单击此处编辑母版标题样式</a:t>
             </a:r>
+            <a:endParaRPr lang="zh-CN" altLang="en-US"/>
           </a:p>
         </p:txBody>
       </p:sp>
@@ -1924,6 +1950,7 @@
               <a:rPr lang="zh-CN" altLang="en-US"/>
               <a:t>单击此处编辑母版文本样式</a:t>
             </a:r>
+            <a:endParaRPr lang="zh-CN" altLang="en-US"/>
           </a:p>
           <a:p>
             <a:pPr lvl="1"/>
@@ -1931,6 +1958,7 @@
               <a:rPr lang="zh-CN" altLang="en-US"/>
               <a:t>第二级</a:t>
             </a:r>
+            <a:endParaRPr lang="zh-CN" altLang="en-US"/>
           </a:p>
           <a:p>
             <a:pPr lvl="2"/>
@@ -1938,6 +1966,7 @@
               <a:rPr lang="zh-CN" altLang="en-US"/>
               <a:t>第三级</a:t>
             </a:r>
+            <a:endParaRPr lang="zh-CN" altLang="en-US"/>
           </a:p>
           <a:p>
             <a:pPr lvl="3"/>
@@ -1945,6 +1974,7 @@
               <a:rPr lang="zh-CN" altLang="en-US"/>
               <a:t>第四级</a:t>
             </a:r>
+            <a:endParaRPr lang="zh-CN" altLang="en-US"/>
           </a:p>
           <a:p>
             <a:pPr lvl="4"/>
@@ -1952,6 +1982,7 @@
               <a:rPr lang="zh-CN" altLang="en-US"/>
               <a:t>第五级</a:t>
             </a:r>
+            <a:endParaRPr lang="zh-CN" altLang="en-US"/>
           </a:p>
         </p:txBody>
       </p:sp>
@@ -2017,6 +2048,7 @@
               <a:rPr lang="zh-CN" altLang="en-US"/>
               <a:t>单击此处编辑母版文本样式</a:t>
             </a:r>
+            <a:endParaRPr lang="zh-CN" altLang="en-US"/>
           </a:p>
         </p:txBody>
       </p:sp>
@@ -2037,7 +2069,6 @@
           <a:p>
             <a:fld id="{D997B5FA-0921-464F-AAE1-844C04324D75}" type="datetimeFigureOut">
               <a:rPr lang="zh-CN" altLang="en-US" smtClean="0"/>
-              <a:t>2022/1/29</a:t>
             </a:fld>
             <a:endParaRPr lang="zh-CN" altLang="en-US"/>
           </a:p>
@@ -2079,7 +2110,6 @@
           <a:p>
             <a:fld id="{565CE74E-AB26-4998-AD42-012C4C1AD076}" type="slidenum">
               <a:rPr lang="zh-CN" altLang="en-US" smtClean="0"/>
-              <a:t>‹#›</a:t>
             </a:fld>
             <a:endParaRPr lang="zh-CN" altLang="en-US"/>
           </a:p>
@@ -2138,6 +2168,7 @@
               <a:rPr lang="zh-CN" altLang="en-US"/>
               <a:t>单击此处编辑母版标题样式</a:t>
             </a:r>
+            <a:endParaRPr lang="zh-CN" altLang="en-US"/>
           </a:p>
         </p:txBody>
       </p:sp>
@@ -2264,6 +2295,7 @@
               <a:rPr lang="zh-CN" altLang="en-US"/>
               <a:t>单击此处编辑母版文本样式</a:t>
             </a:r>
+            <a:endParaRPr lang="zh-CN" altLang="en-US"/>
           </a:p>
         </p:txBody>
       </p:sp>
@@ -2284,7 +2316,6 @@
           <a:p>
             <a:fld id="{D997B5FA-0921-464F-AAE1-844C04324D75}" type="datetimeFigureOut">
               <a:rPr lang="zh-CN" altLang="en-US" smtClean="0"/>
-              <a:t>2022/1/29</a:t>
             </a:fld>
             <a:endParaRPr lang="zh-CN" altLang="en-US"/>
           </a:p>
@@ -2326,7 +2357,6 @@
           <a:p>
             <a:fld id="{565CE74E-AB26-4998-AD42-012C4C1AD076}" type="slidenum">
               <a:rPr lang="zh-CN" altLang="en-US" smtClean="0"/>
-              <a:t>‹#›</a:t>
             </a:fld>
             <a:endParaRPr lang="zh-CN" altLang="en-US"/>
           </a:p>
@@ -2391,6 +2421,7 @@
               <a:rPr lang="zh-CN" altLang="en-US"/>
               <a:t>单击此处编辑母版标题样式</a:t>
             </a:r>
+            <a:endParaRPr lang="zh-CN" altLang="en-US"/>
           </a:p>
         </p:txBody>
       </p:sp>
@@ -2424,6 +2455,7 @@
               <a:rPr lang="zh-CN" altLang="en-US"/>
               <a:t>单击此处编辑母版文本样式</a:t>
             </a:r>
+            <a:endParaRPr lang="zh-CN" altLang="en-US"/>
           </a:p>
           <a:p>
             <a:pPr lvl="1"/>
@@ -2431,6 +2463,7 @@
               <a:rPr lang="zh-CN" altLang="en-US"/>
               <a:t>第二级</a:t>
             </a:r>
+            <a:endParaRPr lang="zh-CN" altLang="en-US"/>
           </a:p>
           <a:p>
             <a:pPr lvl="2"/>
@@ -2438,6 +2471,7 @@
               <a:rPr lang="zh-CN" altLang="en-US"/>
               <a:t>第三级</a:t>
             </a:r>
+            <a:endParaRPr lang="zh-CN" altLang="en-US"/>
           </a:p>
           <a:p>
             <a:pPr lvl="3"/>
@@ -2445,6 +2479,7 @@
               <a:rPr lang="zh-CN" altLang="en-US"/>
               <a:t>第四级</a:t>
             </a:r>
+            <a:endParaRPr lang="zh-CN" altLang="en-US"/>
           </a:p>
           <a:p>
             <a:pPr lvl="4"/>
@@ -2452,6 +2487,7 @@
               <a:rPr lang="zh-CN" altLang="en-US"/>
               <a:t>第五级</a:t>
             </a:r>
+            <a:endParaRPr lang="zh-CN" altLang="en-US"/>
           </a:p>
         </p:txBody>
       </p:sp>
@@ -2490,7 +2526,6 @@
           <a:p>
             <a:fld id="{D997B5FA-0921-464F-AAE1-844C04324D75}" type="datetimeFigureOut">
               <a:rPr lang="zh-CN" altLang="en-US" smtClean="0"/>
-              <a:t>2022/1/29</a:t>
             </a:fld>
             <a:endParaRPr lang="zh-CN" altLang="en-US"/>
           </a:p>
@@ -2568,7 +2603,6 @@
           <a:p>
             <a:fld id="{565CE74E-AB26-4998-AD42-012C4C1AD076}" type="slidenum">
               <a:rPr lang="zh-CN" altLang="en-US" smtClean="0"/>
-              <a:t>‹#›</a:t>
             </a:fld>
             <a:endParaRPr lang="zh-CN" altLang="en-US"/>
           </a:p>
@@ -2972,6 +3006,7 @@
               <a:rPr lang="zh-CN" altLang="en-US" dirty="0"/>
               <a:t>问题背景</a:t>
             </a:r>
+            <a:endParaRPr lang="zh-CN" altLang="en-US" dirty="0"/>
           </a:p>
         </p:txBody>
       </p:sp>
@@ -3021,13 +3056,7 @@
       </p:grpSpPr>
       <p:sp>
         <p:nvSpPr>
-          <p:cNvPr id="2" name="标题 1">
-            <a:extLst>
-              <a:ext uri="{FF2B5EF4-FFF2-40B4-BE49-F238E27FC236}">
-                <a16:creationId xmlns:a16="http://schemas.microsoft.com/office/drawing/2014/main" id="{D10EC72A-39F0-40D6-8526-A6011CC1B0AC}"/>
-              </a:ext>
-            </a:extLst>
-          </p:cNvPr>
+          <p:cNvPr id="2" name="标题 1"/>
           <p:cNvSpPr>
             <a:spLocks noGrp="1"/>
           </p:cNvSpPr>
@@ -3044,18 +3073,13 @@
               <a:rPr lang="zh-CN" altLang="en-US" dirty="0"/>
               <a:t>模型假设</a:t>
             </a:r>
-          </a:p>
-        </p:txBody>
-      </p:sp>
-      <p:sp>
-        <p:nvSpPr>
-          <p:cNvPr id="3" name="内容占位符 2">
-            <a:extLst>
-              <a:ext uri="{FF2B5EF4-FFF2-40B4-BE49-F238E27FC236}">
-                <a16:creationId xmlns:a16="http://schemas.microsoft.com/office/drawing/2014/main" id="{E0668DA3-1911-4D66-A691-F3A412A1AA87}"/>
-              </a:ext>
-            </a:extLst>
-          </p:cNvPr>
+            <a:endParaRPr lang="zh-CN" altLang="en-US" dirty="0"/>
+          </a:p>
+        </p:txBody>
+      </p:sp>
+      <p:sp>
+        <p:nvSpPr>
+          <p:cNvPr id="3" name="内容占位符 2"/>
           <p:cNvSpPr>
             <a:spLocks noGrp="1"/>
           </p:cNvSpPr>
@@ -3147,11 +3171,194 @@
         </p:txBody>
       </p:sp>
     </p:spTree>
-    <p:extLst>
-      <p:ext uri="{BB962C8B-B14F-4D97-AF65-F5344CB8AC3E}">
-        <p14:creationId xmlns:p14="http://schemas.microsoft.com/office/powerpoint/2010/main" val="3664843093"/>
-      </p:ext>
-    </p:extLst>
+  </p:cSld>
+  <p:clrMapOvr>
+    <a:masterClrMapping/>
+  </p:clrMapOvr>
+</p:sld>
+</file>
+
+<file path=ppt/slides/slide4.xml><?xml version="1.0" encoding="utf-8"?>
+<p:sld xmlns:a="http://schemas.openxmlformats.org/drawingml/2006/main" xmlns:r="http://schemas.openxmlformats.org/officeDocument/2006/relationships" xmlns:p="http://schemas.openxmlformats.org/presentationml/2006/main">
+  <p:cSld>
+    <p:spTree>
+      <p:nvGrpSpPr>
+        <p:cNvPr id="1" name=""/>
+        <p:cNvGrpSpPr/>
+        <p:nvPr/>
+      </p:nvGrpSpPr>
+      <p:grpSpPr/>
+      <p:sp>
+        <p:nvSpPr>
+          <p:cNvPr id="2" name="标题 1"/>
+          <p:cNvSpPr>
+            <a:spLocks noGrp="1"/>
+          </p:cNvSpPr>
+          <p:nvPr>
+            <p:ph type="title"/>
+          </p:nvPr>
+        </p:nvSpPr>
+        <p:spPr/>
+        <p:txBody>
+          <a:bodyPr>
+            <a:normAutofit/>
+          </a:bodyPr>
+          <a:p>
+            <a:r>
+              <a:rPr lang="zh-CN" altLang="en-US"/>
+              <a:t>展开器应该做些什么</a:t>
+            </a:r>
+            <a:endParaRPr lang="zh-CN" altLang="en-US"/>
+          </a:p>
+        </p:txBody>
+      </p:sp>
+      <p:sp>
+        <p:nvSpPr>
+          <p:cNvPr id="3" name="内容占位符 2"/>
+          <p:cNvSpPr>
+            <a:spLocks noGrp="1"/>
+          </p:cNvSpPr>
+          <p:nvPr>
+            <p:ph idx="1"/>
+          </p:nvPr>
+        </p:nvSpPr>
+        <p:spPr/>
+        <p:txBody>
+          <a:bodyPr/>
+          <a:p>
+            <a:r>
+              <a:rPr lang="zh-CN" altLang="en-US"/>
+              <a:t>对于源文件</a:t>
+            </a:r>
+            <a:r>
+              <a:rPr lang="en-US" altLang="zh-CN"/>
+              <a:t>B.java</a:t>
+            </a:r>
+            <a:r>
+              <a:rPr lang="zh-CN" altLang="en-US"/>
+              <a:t>，它</a:t>
+            </a:r>
+            <a:endParaRPr lang="zh-CN" altLang="en-US"/>
+          </a:p>
+          <a:p>
+            <a:pPr lvl="1"/>
+            <a:r>
+              <a:rPr lang="zh-CN" altLang="en-US"/>
+              <a:t>来自某个包</a:t>
+            </a:r>
+            <a:r>
+              <a:rPr lang="en-US" altLang="zh-CN"/>
+              <a:t>A</a:t>
+            </a:r>
+            <a:endParaRPr lang="en-US" altLang="zh-CN"/>
+          </a:p>
+          <a:p>
+            <a:pPr lvl="1"/>
+            <a:r>
+              <a:rPr lang="zh-CN" altLang="en-US"/>
+              <a:t>有</a:t>
+            </a:r>
+            <a:r>
+              <a:rPr lang="en-US" altLang="zh-CN"/>
+              <a:t>public class B{psvm}</a:t>
+            </a:r>
+            <a:endParaRPr lang="en-US" altLang="zh-CN"/>
+          </a:p>
+          <a:p>
+            <a:pPr lvl="1"/>
+            <a:r>
+              <a:rPr lang="zh-CN" altLang="en-US"/>
+              <a:t>提到了类</a:t>
+            </a:r>
+            <a:r>
+              <a:rPr lang="en-US" altLang="zh-CN"/>
+              <a:t>C</a:t>
+            </a:r>
+            <a:r>
+              <a:rPr lang="en-US"/>
+              <a:t>1</a:t>
+            </a:r>
+            <a:r>
+              <a:rPr lang="zh-CN" altLang="en-US"/>
+              <a:t>，</a:t>
+            </a:r>
+            <a:r>
+              <a:rPr lang="en-US" altLang="zh-CN"/>
+              <a:t>C2</a:t>
+            </a:r>
+            <a:r>
+              <a:rPr lang="zh-CN" altLang="en-US"/>
+              <a:t>，</a:t>
+            </a:r>
+            <a:r>
+              <a:rPr lang="en-US" altLang="zh-CN"/>
+              <a:t>C3</a:t>
+            </a:r>
+            <a:r>
+              <a:rPr lang="zh-CN" altLang="en-US"/>
+              <a:t>，</a:t>
+            </a:r>
+            <a:r>
+              <a:rPr lang="en-US" altLang="zh-CN"/>
+              <a:t>C4</a:t>
+            </a:r>
+            <a:endParaRPr lang="en-US" altLang="zh-CN"/>
+          </a:p>
+          <a:p>
+            <a:pPr lvl="2"/>
+            <a:r>
+              <a:rPr lang="zh-CN" altLang="en-US" sz="1665"/>
+              <a:t>有时候使用了全名表示</a:t>
+            </a:r>
+            <a:r>
+              <a:rPr lang="en-US" altLang="zh-CN" sz="1665"/>
+              <a:t>	</a:t>
+            </a:r>
+            <a:endParaRPr lang="en-US" altLang="zh-CN"/>
+          </a:p>
+          <a:p>
+            <a:pPr lvl="2"/>
+            <a:r>
+              <a:rPr lang="zh-CN" altLang="en-US"/>
+              <a:t>有时候使用了</a:t>
+            </a:r>
+            <a:r>
+              <a:rPr lang="en-US" altLang="zh-CN"/>
+              <a:t>Import</a:t>
+            </a:r>
+            <a:endParaRPr lang="en-US" altLang="zh-CN"/>
+          </a:p>
+          <a:p>
+            <a:pPr lvl="2"/>
+            <a:r>
+              <a:rPr lang="zh-CN" altLang="en-US"/>
+              <a:t>展开器不关心使用了全名还是</a:t>
+            </a:r>
+            <a:r>
+              <a:rPr lang="en-US" altLang="zh-CN"/>
+              <a:t>import</a:t>
+            </a:r>
+            <a:r>
+              <a:rPr lang="zh-CN" altLang="en-US"/>
+              <a:t>，这不是展开器的工作。</a:t>
+            </a:r>
+            <a:endParaRPr lang="zh-CN" altLang="en-US"/>
+          </a:p>
+          <a:p>
+            <a:pPr lvl="2"/>
+            <a:r>
+              <a:rPr lang="zh-CN" altLang="en-US"/>
+              <a:t>展开器只需要知道这些类的存在</a:t>
+            </a:r>
+            <a:endParaRPr lang="zh-CN" altLang="en-US"/>
+          </a:p>
+          <a:p>
+            <a:pPr lvl="1"/>
+            <a:endParaRPr lang="zh-CN" altLang="en-US"/>
+          </a:p>
+        </p:txBody>
+      </p:sp>
+    </p:spTree>
   </p:cSld>
   <p:clrMapOvr>
     <a:masterClrMapping/>
@@ -3410,8 +3617,6 @@
       </a:bgFillStyleLst>
     </a:fmtScheme>
   </a:themeElements>
-  <a:objectDefaults/>
-  <a:extraClrSchemeLst/>
   <a:extLst>
     <a:ext uri="{05A4C25C-085E-4340-85A3-A5531E510DB2}">
       <thm15:themeFamily xmlns:thm15="http://schemas.microsoft.com/office/thememl/2012/main" name="Office Theme" id="{62F939B6-93AF-4DB8-9C6B-D6C7DFDC589F}" vid="{4A3C46E8-61CC-4603-A589-7422A47A8E4A}"/>
